--- a/Dota2_Presentation.pptx
+++ b/Dota2_Presentation.pptx
@@ -206,7 +206,7 @@
           <a:p>
             <a:fld id="{37384D24-0EBD-2D43-BBEA-6F4BD0CD40E5}" type="datetimeFigureOut">
               <a:rPr lang="en-US" smtClean="0"/>
-              <a:t>18/04/17</a:t>
+              <a:t>20/04/17</a:t>
             </a:fld>
             <a:endParaRPr lang="en-US"/>
           </a:p>
@@ -1441,7 +1441,7 @@
           <a:p>
             <a:fld id="{FFE4A6F1-21CF-494A-BCA5-2BA0BC6D093C}" type="datetimeFigureOut">
               <a:rPr lang="en-US" smtClean="0"/>
-              <a:t>17/04/17</a:t>
+              <a:t>20/04/17</a:t>
             </a:fld>
             <a:endParaRPr lang="en-US"/>
           </a:p>
@@ -1611,7 +1611,7 @@
           <a:p>
             <a:fld id="{FFE4A6F1-21CF-494A-BCA5-2BA0BC6D093C}" type="datetimeFigureOut">
               <a:rPr lang="en-US" smtClean="0"/>
-              <a:t>17/04/17</a:t>
+              <a:t>20/04/17</a:t>
             </a:fld>
             <a:endParaRPr lang="en-US"/>
           </a:p>
@@ -1791,7 +1791,7 @@
           <a:p>
             <a:fld id="{FFE4A6F1-21CF-494A-BCA5-2BA0BC6D093C}" type="datetimeFigureOut">
               <a:rPr lang="en-US" smtClean="0"/>
-              <a:t>17/04/17</a:t>
+              <a:t>20/04/17</a:t>
             </a:fld>
             <a:endParaRPr lang="en-US"/>
           </a:p>
@@ -1961,7 +1961,7 @@
           <a:p>
             <a:fld id="{FFE4A6F1-21CF-494A-BCA5-2BA0BC6D093C}" type="datetimeFigureOut">
               <a:rPr lang="en-US" smtClean="0"/>
-              <a:t>17/04/17</a:t>
+              <a:t>20/04/17</a:t>
             </a:fld>
             <a:endParaRPr lang="en-US"/>
           </a:p>
@@ -2207,7 +2207,7 @@
           <a:p>
             <a:fld id="{FFE4A6F1-21CF-494A-BCA5-2BA0BC6D093C}" type="datetimeFigureOut">
               <a:rPr lang="en-US" smtClean="0"/>
-              <a:t>17/04/17</a:t>
+              <a:t>20/04/17</a:t>
             </a:fld>
             <a:endParaRPr lang="en-US"/>
           </a:p>
@@ -2495,7 +2495,7 @@
           <a:p>
             <a:fld id="{FFE4A6F1-21CF-494A-BCA5-2BA0BC6D093C}" type="datetimeFigureOut">
               <a:rPr lang="en-US" smtClean="0"/>
-              <a:t>17/04/17</a:t>
+              <a:t>20/04/17</a:t>
             </a:fld>
             <a:endParaRPr lang="en-US"/>
           </a:p>
@@ -2917,7 +2917,7 @@
           <a:p>
             <a:fld id="{FFE4A6F1-21CF-494A-BCA5-2BA0BC6D093C}" type="datetimeFigureOut">
               <a:rPr lang="en-US" smtClean="0"/>
-              <a:t>17/04/17</a:t>
+              <a:t>20/04/17</a:t>
             </a:fld>
             <a:endParaRPr lang="en-US"/>
           </a:p>
@@ -3035,7 +3035,7 @@
           <a:p>
             <a:fld id="{FFE4A6F1-21CF-494A-BCA5-2BA0BC6D093C}" type="datetimeFigureOut">
               <a:rPr lang="en-US" smtClean="0"/>
-              <a:t>17/04/17</a:t>
+              <a:t>20/04/17</a:t>
             </a:fld>
             <a:endParaRPr lang="en-US"/>
           </a:p>
@@ -3130,7 +3130,7 @@
           <a:p>
             <a:fld id="{FFE4A6F1-21CF-494A-BCA5-2BA0BC6D093C}" type="datetimeFigureOut">
               <a:rPr lang="en-US" smtClean="0"/>
-              <a:t>17/04/17</a:t>
+              <a:t>20/04/17</a:t>
             </a:fld>
             <a:endParaRPr lang="en-US"/>
           </a:p>
@@ -3407,7 +3407,7 @@
           <a:p>
             <a:fld id="{FFE4A6F1-21CF-494A-BCA5-2BA0BC6D093C}" type="datetimeFigureOut">
               <a:rPr lang="en-US" smtClean="0"/>
-              <a:t>17/04/17</a:t>
+              <a:t>20/04/17</a:t>
             </a:fld>
             <a:endParaRPr lang="en-US"/>
           </a:p>
@@ -3660,7 +3660,7 @@
           <a:p>
             <a:fld id="{FFE4A6F1-21CF-494A-BCA5-2BA0BC6D093C}" type="datetimeFigureOut">
               <a:rPr lang="en-US" smtClean="0"/>
-              <a:t>17/04/17</a:t>
+              <a:t>20/04/17</a:t>
             </a:fld>
             <a:endParaRPr lang="en-US"/>
           </a:p>
@@ -3873,7 +3873,7 @@
           <a:p>
             <a:fld id="{FFE4A6F1-21CF-494A-BCA5-2BA0BC6D093C}" type="datetimeFigureOut">
               <a:rPr lang="en-US" smtClean="0"/>
-              <a:t>17/04/17</a:t>
+              <a:t>20/04/17</a:t>
             </a:fld>
             <a:endParaRPr lang="en-US"/>
           </a:p>
@@ -4686,8 +4686,8 @@
         </p:nvSpPr>
         <p:spPr>
           <a:xfrm>
-            <a:off x="3680545" y="285173"/>
-            <a:ext cx="1782910" cy="461665"/>
+            <a:off x="2412398" y="285173"/>
+            <a:ext cx="4319211" cy="461665"/>
           </a:xfrm>
           <a:prstGeom prst="rect">
             <a:avLst/>
@@ -4703,7 +4703,19 @@
             <a:pPr algn="ctr"/>
             <a:r>
               <a:rPr lang="en-US" sz="2400" b="1" dirty="0" smtClean="0"/>
-              <a:t>Future Work</a:t>
+              <a:t>Looking </a:t>
+            </a:r>
+            <a:r>
+              <a:rPr lang="en-US" sz="2400" b="1" dirty="0"/>
+              <a:t>F</a:t>
+            </a:r>
+            <a:r>
+              <a:rPr lang="en-US" sz="2400" b="1" dirty="0" smtClean="0"/>
+              <a:t>orward to Future </a:t>
+            </a:r>
+            <a:r>
+              <a:rPr lang="en-US" sz="2400" b="1" dirty="0" smtClean="0"/>
+              <a:t>Work</a:t>
             </a:r>
           </a:p>
         </p:txBody>
@@ -4717,7 +4729,7 @@
         <p:spPr>
           <a:xfrm>
             <a:off x="719666" y="755304"/>
-            <a:ext cx="7704667" cy="3139321"/>
+            <a:ext cx="7992534" cy="2585323"/>
           </a:xfrm>
           <a:prstGeom prst="rect">
             <a:avLst/>
@@ -4847,8 +4859,8 @@
         </p:blipFill>
         <p:spPr>
           <a:xfrm>
-            <a:off x="2126191" y="3707363"/>
-            <a:ext cx="4891617" cy="3065971"/>
+            <a:off x="1904134" y="3429001"/>
+            <a:ext cx="5335732" cy="3344334"/>
           </a:xfrm>
           <a:prstGeom prst="rect">
             <a:avLst/>
@@ -5372,8 +5384,8 @@
         </p:nvSpPr>
         <p:spPr>
           <a:xfrm>
-            <a:off x="3361592" y="285173"/>
-            <a:ext cx="2420855" cy="461665"/>
+            <a:off x="3661105" y="285173"/>
+            <a:ext cx="1821833" cy="461665"/>
           </a:xfrm>
           <a:prstGeom prst="rect">
             <a:avLst/>
@@ -5389,8 +5401,9 @@
             <a:pPr algn="ctr"/>
             <a:r>
               <a:rPr lang="en-US" sz="2400" b="1" dirty="0" smtClean="0"/>
-              <a:t>Dota 2 popularity</a:t>
-            </a:r>
+              <a:t>Why Dota 2?</a:t>
+            </a:r>
+            <a:endParaRPr lang="en-US" sz="2400" b="1" dirty="0" smtClean="0"/>
           </a:p>
         </p:txBody>
       </p:sp>
@@ -5416,7 +5429,7 @@
         </p:blipFill>
         <p:spPr>
           <a:xfrm>
-            <a:off x="988235" y="1103515"/>
+            <a:off x="988235" y="780478"/>
             <a:ext cx="7167530" cy="4430837"/>
           </a:xfrm>
           <a:prstGeom prst="rect">
@@ -5432,7 +5445,7 @@
         </p:nvSpPr>
         <p:spPr>
           <a:xfrm>
-            <a:off x="3011316" y="5611168"/>
+            <a:off x="3011316" y="5216246"/>
             <a:ext cx="3121367" cy="246221"/>
           </a:xfrm>
           <a:prstGeom prst="rect">
@@ -5452,6 +5465,74 @@
               <a:t>source: http://www.dota2.com/international/overview/</a:t>
             </a:r>
             <a:endParaRPr lang="en-US" sz="1000" dirty="0"/>
+          </a:p>
+        </p:txBody>
+      </p:sp>
+      <p:sp>
+        <p:nvSpPr>
+          <p:cNvPr id="2" name="TextBox 1"/>
+          <p:cNvSpPr txBox="1"/>
+          <p:nvPr/>
+        </p:nvSpPr>
+        <p:spPr>
+          <a:xfrm>
+            <a:off x="592667" y="5555600"/>
+            <a:ext cx="7950200" cy="1200329"/>
+          </a:xfrm>
+          <a:prstGeom prst="rect">
+            <a:avLst/>
+          </a:prstGeom>
+          <a:noFill/>
+        </p:spPr>
+        <p:txBody>
+          <a:bodyPr wrap="square" rtlCol="0">
+            <a:spAutoFit/>
+          </a:bodyPr>
+          <a:lstStyle/>
+          <a:p>
+            <a:pPr marL="171450" indent="-171450">
+              <a:buFont typeface="Arial"/>
+              <a:buChar char="•"/>
+            </a:pPr>
+            <a:r>
+              <a:rPr lang="en-US" sz="1200" dirty="0" smtClean="0"/>
+              <a:t>Dota 2 is free-to-play with massive fan based able to produce international tournaments with lucrative prize pools</a:t>
+            </a:r>
+          </a:p>
+          <a:p>
+            <a:pPr marL="171450" indent="-171450">
+              <a:buFont typeface="Arial"/>
+              <a:buChar char="•"/>
+            </a:pPr>
+            <a:endParaRPr lang="en-US" sz="1200" dirty="0"/>
+          </a:p>
+          <a:p>
+            <a:pPr marL="171450" indent="-171450">
+              <a:buFont typeface="Arial"/>
+              <a:buChar char="•"/>
+            </a:pPr>
+            <a:r>
+              <a:rPr lang="en-US" sz="1200" dirty="0" smtClean="0"/>
+              <a:t>Initially looks very complex and can be daunting to new players</a:t>
+            </a:r>
+          </a:p>
+          <a:p>
+            <a:pPr marL="171450" indent="-171450">
+              <a:buFont typeface="Arial"/>
+              <a:buChar char="•"/>
+            </a:pPr>
+            <a:endParaRPr lang="en-US" sz="1200" dirty="0"/>
+          </a:p>
+          <a:p>
+            <a:pPr marL="171450" indent="-171450">
+              <a:buFont typeface="Arial"/>
+              <a:buChar char="•"/>
+            </a:pPr>
+            <a:r>
+              <a:rPr lang="en-US" sz="1200" dirty="0" smtClean="0"/>
+              <a:t>This study explores important variables to gold with linear regression models and winning with logistic regression models with the aim of providing simple strategies to improve new player progression</a:t>
+            </a:r>
+            <a:endParaRPr lang="en-US" sz="1200" dirty="0"/>
           </a:p>
         </p:txBody>
       </p:sp>
@@ -5667,7 +5748,6 @@
               <a:rPr lang="en-US" dirty="0" smtClean="0"/>
               <a:t>Players control heroes to fight enemy heroes, towers and AI-controlled creep</a:t>
             </a:r>
-            <a:endParaRPr lang="en-US" dirty="0" smtClean="0"/>
           </a:p>
           <a:p>
             <a:pPr marL="285750" indent="-285750">
@@ -7166,7 +7246,7 @@
         </p:nvSpPr>
         <p:spPr>
           <a:xfrm>
-            <a:off x="1266593" y="1582340"/>
+            <a:off x="1266593" y="1421473"/>
             <a:ext cx="6610814" cy="3693319"/>
           </a:xfrm>
           <a:prstGeom prst="rect">
